--- a/Hackathon Presentation.pptx
+++ b/Hackathon Presentation.pptx
@@ -836,7 +836,7 @@
   <p:cSld>
     <p:spTree>
       <p:nvGrpSpPr>
-        <p:cNvPr id="108" name="Shape 108"/>
+        <p:cNvPr id="109" name="Shape 109"/>
         <p:cNvGrpSpPr/>
         <p:nvPr/>
       </p:nvGrpSpPr>
@@ -850,7 +850,7 @@
       </p:grpSpPr>
       <p:sp>
         <p:nvSpPr>
-          <p:cNvPr id="109" name="Google Shape;109;g207f28abcc0_0_50:notes"/>
+          <p:cNvPr id="110" name="Google Shape;110;g207f28abcc0_0_50:notes"/>
           <p:cNvSpPr/>
           <p:nvPr>
             <p:ph idx="2" type="sldImg"/>
@@ -885,7 +885,7 @@
       </p:sp>
       <p:sp>
         <p:nvSpPr>
-          <p:cNvPr id="110" name="Google Shape;110;g207f28abcc0_0_50:notes"/>
+          <p:cNvPr id="111" name="Google Shape;111;g207f28abcc0_0_50:notes"/>
           <p:cNvSpPr txBox="1"/>
           <p:nvPr>
             <p:ph idx="1" type="body"/>
@@ -935,7 +935,7 @@
   <p:cSld>
     <p:spTree>
       <p:nvGrpSpPr>
-        <p:cNvPr id="114" name="Shape 114"/>
+        <p:cNvPr id="115" name="Shape 115"/>
         <p:cNvGrpSpPr/>
         <p:nvPr/>
       </p:nvGrpSpPr>
@@ -949,7 +949,7 @@
       </p:grpSpPr>
       <p:sp>
         <p:nvSpPr>
-          <p:cNvPr id="115" name="Google Shape;115;g207f28abcc0_0_6:notes"/>
+          <p:cNvPr id="116" name="Google Shape;116;g207f28abcc0_0_6:notes"/>
           <p:cNvSpPr/>
           <p:nvPr>
             <p:ph idx="2" type="sldImg"/>
@@ -984,7 +984,7 @@
       </p:sp>
       <p:sp>
         <p:nvSpPr>
-          <p:cNvPr id="116" name="Google Shape;116;g207f28abcc0_0_6:notes"/>
+          <p:cNvPr id="117" name="Google Shape;117;g207f28abcc0_0_6:notes"/>
           <p:cNvSpPr txBox="1"/>
           <p:nvPr>
             <p:ph idx="1" type="body"/>
@@ -1034,7 +1034,7 @@
   <p:cSld>
     <p:spTree>
       <p:nvGrpSpPr>
-        <p:cNvPr id="120" name="Shape 120"/>
+        <p:cNvPr id="121" name="Shape 121"/>
         <p:cNvGrpSpPr/>
         <p:nvPr/>
       </p:nvGrpSpPr>
@@ -1048,7 +1048,7 @@
       </p:grpSpPr>
       <p:sp>
         <p:nvSpPr>
-          <p:cNvPr id="121" name="Google Shape;121;g207f28abcc0_0_12:notes"/>
+          <p:cNvPr id="122" name="Google Shape;122;g207f28abcc0_0_12:notes"/>
           <p:cNvSpPr/>
           <p:nvPr>
             <p:ph idx="2" type="sldImg"/>
@@ -1083,7 +1083,7 @@
       </p:sp>
       <p:sp>
         <p:nvSpPr>
-          <p:cNvPr id="122" name="Google Shape;122;g207f28abcc0_0_12:notes"/>
+          <p:cNvPr id="123" name="Google Shape;123;g207f28abcc0_0_12:notes"/>
           <p:cNvSpPr txBox="1"/>
           <p:nvPr>
             <p:ph idx="1" type="body"/>
@@ -1133,7 +1133,7 @@
   <p:cSld>
     <p:spTree>
       <p:nvGrpSpPr>
-        <p:cNvPr id="126" name="Shape 126"/>
+        <p:cNvPr id="127" name="Shape 127"/>
         <p:cNvGrpSpPr/>
         <p:nvPr/>
       </p:nvGrpSpPr>
@@ -1147,7 +1147,7 @@
       </p:grpSpPr>
       <p:sp>
         <p:nvSpPr>
-          <p:cNvPr id="127" name="Google Shape;127;g207f28abcc0_0_18:notes"/>
+          <p:cNvPr id="128" name="Google Shape;128;g207f28abcc0_0_18:notes"/>
           <p:cNvSpPr/>
           <p:nvPr>
             <p:ph idx="2" type="sldImg"/>
@@ -1182,7 +1182,7 @@
       </p:sp>
       <p:sp>
         <p:nvSpPr>
-          <p:cNvPr id="128" name="Google Shape;128;g207f28abcc0_0_18:notes"/>
+          <p:cNvPr id="129" name="Google Shape;129;g207f28abcc0_0_18:notes"/>
           <p:cNvSpPr txBox="1"/>
           <p:nvPr>
             <p:ph idx="1" type="body"/>
@@ -1232,7 +1232,7 @@
   <p:cSld>
     <p:spTree>
       <p:nvGrpSpPr>
-        <p:cNvPr id="132" name="Shape 132"/>
+        <p:cNvPr id="133" name="Shape 133"/>
         <p:cNvGrpSpPr/>
         <p:nvPr/>
       </p:nvGrpSpPr>
@@ -1246,7 +1246,7 @@
       </p:grpSpPr>
       <p:sp>
         <p:nvSpPr>
-          <p:cNvPr id="133" name="Google Shape;133;g207f28abcc0_0_24:notes"/>
+          <p:cNvPr id="134" name="Google Shape;134;g207f28abcc0_0_24:notes"/>
           <p:cNvSpPr/>
           <p:nvPr>
             <p:ph idx="2" type="sldImg"/>
@@ -1281,7 +1281,7 @@
       </p:sp>
       <p:sp>
         <p:nvSpPr>
-          <p:cNvPr id="134" name="Google Shape;134;g207f28abcc0_0_24:notes"/>
+          <p:cNvPr id="135" name="Google Shape;135;g207f28abcc0_0_24:notes"/>
           <p:cNvSpPr txBox="1"/>
           <p:nvPr>
             <p:ph idx="1" type="body"/>
@@ -1331,7 +1331,7 @@
   <p:cSld>
     <p:spTree>
       <p:nvGrpSpPr>
-        <p:cNvPr id="138" name="Shape 138"/>
+        <p:cNvPr id="139" name="Shape 139"/>
         <p:cNvGrpSpPr/>
         <p:nvPr/>
       </p:nvGrpSpPr>
@@ -1345,7 +1345,7 @@
       </p:grpSpPr>
       <p:sp>
         <p:nvSpPr>
-          <p:cNvPr id="139" name="Google Shape;139;g207f28abcc0_0_105:notes"/>
+          <p:cNvPr id="140" name="Google Shape;140;g207f28abcc0_0_105:notes"/>
           <p:cNvSpPr/>
           <p:nvPr>
             <p:ph idx="2" type="sldImg"/>
@@ -1380,7 +1380,7 @@
       </p:sp>
       <p:sp>
         <p:nvSpPr>
-          <p:cNvPr id="140" name="Google Shape;140;g207f28abcc0_0_105:notes"/>
+          <p:cNvPr id="141" name="Google Shape;141;g207f28abcc0_0_105:notes"/>
           <p:cNvSpPr txBox="1"/>
           <p:nvPr>
             <p:ph idx="1" type="body"/>
@@ -1430,7 +1430,7 @@
   <p:cSld>
     <p:spTree>
       <p:nvGrpSpPr>
-        <p:cNvPr id="143" name="Shape 143"/>
+        <p:cNvPr id="144" name="Shape 144"/>
         <p:cNvGrpSpPr/>
         <p:nvPr/>
       </p:nvGrpSpPr>
@@ -1444,7 +1444,7 @@
       </p:grpSpPr>
       <p:sp>
         <p:nvSpPr>
-          <p:cNvPr id="144" name="Google Shape;144;g207f28abcc0_0_45:notes"/>
+          <p:cNvPr id="145" name="Google Shape;145;g207f28abcc0_0_45:notes"/>
           <p:cNvSpPr/>
           <p:nvPr>
             <p:ph idx="2" type="sldImg"/>
@@ -1479,7 +1479,7 @@
       </p:sp>
       <p:sp>
         <p:nvSpPr>
-          <p:cNvPr id="145" name="Google Shape;145;g207f28abcc0_0_45:notes"/>
+          <p:cNvPr id="146" name="Google Shape;146;g207f28abcc0_0_45:notes"/>
           <p:cNvSpPr txBox="1"/>
           <p:nvPr>
             <p:ph idx="1" type="body"/>
@@ -1529,7 +1529,7 @@
   <p:cSld>
     <p:spTree>
       <p:nvGrpSpPr>
-        <p:cNvPr id="149" name="Shape 149"/>
+        <p:cNvPr id="150" name="Shape 150"/>
         <p:cNvGrpSpPr/>
         <p:nvPr/>
       </p:nvGrpSpPr>
@@ -1543,7 +1543,7 @@
       </p:grpSpPr>
       <p:sp>
         <p:nvSpPr>
-          <p:cNvPr id="150" name="Google Shape;150;g207f28abcc0_2_48:notes"/>
+          <p:cNvPr id="151" name="Google Shape;151;g207f28abcc0_2_48:notes"/>
           <p:cNvSpPr/>
           <p:nvPr>
             <p:ph idx="2" type="sldImg"/>
@@ -1578,7 +1578,7 @@
       </p:sp>
       <p:sp>
         <p:nvSpPr>
-          <p:cNvPr id="151" name="Google Shape;151;g207f28abcc0_2_48:notes"/>
+          <p:cNvPr id="152" name="Google Shape;152;g207f28abcc0_2_48:notes"/>
           <p:cNvSpPr txBox="1"/>
           <p:nvPr>
             <p:ph idx="1" type="body"/>
@@ -1628,7 +1628,7 @@
   <p:cSld>
     <p:spTree>
       <p:nvGrpSpPr>
-        <p:cNvPr id="157" name="Shape 157"/>
+        <p:cNvPr id="158" name="Shape 158"/>
         <p:cNvGrpSpPr/>
         <p:nvPr/>
       </p:nvGrpSpPr>
@@ -1642,7 +1642,7 @@
       </p:grpSpPr>
       <p:sp>
         <p:nvSpPr>
-          <p:cNvPr id="158" name="Google Shape;158;g207f28abcc0_0_110:notes"/>
+          <p:cNvPr id="159" name="Google Shape;159;g207f28abcc0_0_110:notes"/>
           <p:cNvSpPr/>
           <p:nvPr>
             <p:ph idx="2" type="sldImg"/>
@@ -1677,7 +1677,7 @@
       </p:sp>
       <p:sp>
         <p:nvSpPr>
-          <p:cNvPr id="159" name="Google Shape;159;g207f28abcc0_0_110:notes"/>
+          <p:cNvPr id="160" name="Google Shape;160;g207f28abcc0_0_110:notes"/>
           <p:cNvSpPr txBox="1"/>
           <p:nvPr>
             <p:ph idx="1" type="body"/>
@@ -1727,7 +1727,7 @@
   <p:cSld>
     <p:spTree>
       <p:nvGrpSpPr>
-        <p:cNvPr id="162" name="Shape 162"/>
+        <p:cNvPr id="163" name="Shape 163"/>
         <p:cNvGrpSpPr/>
         <p:nvPr/>
       </p:nvGrpSpPr>
@@ -1741,7 +1741,7 @@
       </p:grpSpPr>
       <p:sp>
         <p:nvSpPr>
-          <p:cNvPr id="163" name="Google Shape;163;g207f28abcc0_0_30:notes"/>
+          <p:cNvPr id="164" name="Google Shape;164;g207f28abcc0_0_30:notes"/>
           <p:cNvSpPr/>
           <p:nvPr>
             <p:ph idx="2" type="sldImg"/>
@@ -1776,7 +1776,7 @@
       </p:sp>
       <p:sp>
         <p:nvSpPr>
-          <p:cNvPr id="164" name="Google Shape;164;g207f28abcc0_0_30:notes"/>
+          <p:cNvPr id="165" name="Google Shape;165;g207f28abcc0_0_30:notes"/>
           <p:cNvSpPr txBox="1"/>
           <p:nvPr>
             <p:ph idx="1" type="body"/>
@@ -1925,7 +1925,7 @@
   <p:cSld>
     <p:spTree>
       <p:nvGrpSpPr>
-        <p:cNvPr id="168" name="Shape 168"/>
+        <p:cNvPr id="169" name="Shape 169"/>
         <p:cNvGrpSpPr/>
         <p:nvPr/>
       </p:nvGrpSpPr>
@@ -1939,7 +1939,7 @@
       </p:grpSpPr>
       <p:sp>
         <p:nvSpPr>
-          <p:cNvPr id="169" name="Google Shape;169;g207f28abcc0_0_36:notes"/>
+          <p:cNvPr id="170" name="Google Shape;170;g207f28abcc0_0_36:notes"/>
           <p:cNvSpPr/>
           <p:nvPr>
             <p:ph idx="2" type="sldImg"/>
@@ -1974,7 +1974,7 @@
       </p:sp>
       <p:sp>
         <p:nvSpPr>
-          <p:cNvPr id="170" name="Google Shape;170;g207f28abcc0_0_36:notes"/>
+          <p:cNvPr id="171" name="Google Shape;171;g207f28abcc0_0_36:notes"/>
           <p:cNvSpPr txBox="1"/>
           <p:nvPr>
             <p:ph idx="1" type="body"/>
@@ -2024,7 +2024,7 @@
   <p:cSld>
     <p:spTree>
       <p:nvGrpSpPr>
-        <p:cNvPr id="174" name="Shape 174"/>
+        <p:cNvPr id="175" name="Shape 175"/>
         <p:cNvGrpSpPr/>
         <p:nvPr/>
       </p:nvGrpSpPr>
@@ -2038,7 +2038,7 @@
       </p:grpSpPr>
       <p:sp>
         <p:nvSpPr>
-          <p:cNvPr id="175" name="Google Shape;175;g207f28abcc0_0_85:notes"/>
+          <p:cNvPr id="176" name="Google Shape;176;g207f28abcc0_0_85:notes"/>
           <p:cNvSpPr/>
           <p:nvPr>
             <p:ph idx="2" type="sldImg"/>
@@ -2073,7 +2073,7 @@
       </p:sp>
       <p:sp>
         <p:nvSpPr>
-          <p:cNvPr id="176" name="Google Shape;176;g207f28abcc0_0_85:notes"/>
+          <p:cNvPr id="177" name="Google Shape;177;g207f28abcc0_0_85:notes"/>
           <p:cNvSpPr txBox="1"/>
           <p:nvPr>
             <p:ph idx="1" type="body"/>
@@ -2123,7 +2123,7 @@
   <p:cSld>
     <p:spTree>
       <p:nvGrpSpPr>
-        <p:cNvPr id="180" name="Shape 180"/>
+        <p:cNvPr id="181" name="Shape 181"/>
         <p:cNvGrpSpPr/>
         <p:nvPr/>
       </p:nvGrpSpPr>
@@ -2137,7 +2137,7 @@
       </p:grpSpPr>
       <p:sp>
         <p:nvSpPr>
-          <p:cNvPr id="181" name="Google Shape;181;g207f28abcc0_0_56:notes"/>
+          <p:cNvPr id="182" name="Google Shape;182;g207f28abcc0_0_56:notes"/>
           <p:cNvSpPr/>
           <p:nvPr>
             <p:ph idx="2" type="sldImg"/>
@@ -2172,7 +2172,7 @@
       </p:sp>
       <p:sp>
         <p:nvSpPr>
-          <p:cNvPr id="182" name="Google Shape;182;g207f28abcc0_0_56:notes"/>
+          <p:cNvPr id="183" name="Google Shape;183;g207f28abcc0_0_56:notes"/>
           <p:cNvSpPr txBox="1"/>
           <p:nvPr>
             <p:ph idx="1" type="body"/>
@@ -2222,7 +2222,7 @@
   <p:cSld>
     <p:spTree>
       <p:nvGrpSpPr>
-        <p:cNvPr id="186" name="Shape 186"/>
+        <p:cNvPr id="187" name="Shape 187"/>
         <p:cNvGrpSpPr/>
         <p:nvPr/>
       </p:nvGrpSpPr>
@@ -2236,7 +2236,7 @@
       </p:grpSpPr>
       <p:sp>
         <p:nvSpPr>
-          <p:cNvPr id="187" name="Google Shape;187;g207f28abcc0_0_65:notes"/>
+          <p:cNvPr id="188" name="Google Shape;188;g207f28abcc0_0_65:notes"/>
           <p:cNvSpPr/>
           <p:nvPr>
             <p:ph idx="2" type="sldImg"/>
@@ -2271,7 +2271,7 @@
       </p:sp>
       <p:sp>
         <p:nvSpPr>
-          <p:cNvPr id="188" name="Google Shape;188;g207f28abcc0_0_65:notes"/>
+          <p:cNvPr id="189" name="Google Shape;189;g207f28abcc0_0_65:notes"/>
           <p:cNvSpPr txBox="1"/>
           <p:nvPr>
             <p:ph idx="1" type="body"/>
@@ -2321,7 +2321,7 @@
   <p:cSld>
     <p:spTree>
       <p:nvGrpSpPr>
-        <p:cNvPr id="193" name="Shape 193"/>
+        <p:cNvPr id="194" name="Shape 194"/>
         <p:cNvGrpSpPr/>
         <p:nvPr/>
       </p:nvGrpSpPr>
@@ -2335,7 +2335,7 @@
       </p:grpSpPr>
       <p:sp>
         <p:nvSpPr>
-          <p:cNvPr id="194" name="Google Shape;194;g207f28abcc0_0_73:notes"/>
+          <p:cNvPr id="195" name="Google Shape;195;g207f28abcc0_0_73:notes"/>
           <p:cNvSpPr/>
           <p:nvPr>
             <p:ph idx="2" type="sldImg"/>
@@ -2370,7 +2370,7 @@
       </p:sp>
       <p:sp>
         <p:nvSpPr>
-          <p:cNvPr id="195" name="Google Shape;195;g207f28abcc0_0_73:notes"/>
+          <p:cNvPr id="196" name="Google Shape;196;g207f28abcc0_0_73:notes"/>
           <p:cNvSpPr txBox="1"/>
           <p:nvPr>
             <p:ph idx="1" type="body"/>
@@ -2420,7 +2420,7 @@
   <p:cSld>
     <p:spTree>
       <p:nvGrpSpPr>
-        <p:cNvPr id="200" name="Shape 200"/>
+        <p:cNvPr id="201" name="Shape 201"/>
         <p:cNvGrpSpPr/>
         <p:nvPr/>
       </p:nvGrpSpPr>
@@ -2434,7 +2434,7 @@
       </p:grpSpPr>
       <p:sp>
         <p:nvSpPr>
-          <p:cNvPr id="201" name="Google Shape;201;g207f28abcc0_0_90:notes"/>
+          <p:cNvPr id="202" name="Google Shape;202;g207f28abcc0_0_90:notes"/>
           <p:cNvSpPr/>
           <p:nvPr>
             <p:ph idx="2" type="sldImg"/>
@@ -2469,7 +2469,7 @@
       </p:sp>
       <p:sp>
         <p:nvSpPr>
-          <p:cNvPr id="202" name="Google Shape;202;g207f28abcc0_0_90:notes"/>
+          <p:cNvPr id="203" name="Google Shape;203;g207f28abcc0_0_90:notes"/>
           <p:cNvSpPr txBox="1"/>
           <p:nvPr>
             <p:ph idx="1" type="body"/>
@@ -2519,7 +2519,7 @@
   <p:cSld>
     <p:spTree>
       <p:nvGrpSpPr>
-        <p:cNvPr id="206" name="Shape 206"/>
+        <p:cNvPr id="207" name="Shape 207"/>
         <p:cNvGrpSpPr/>
         <p:nvPr/>
       </p:nvGrpSpPr>
@@ -2533,7 +2533,7 @@
       </p:grpSpPr>
       <p:sp>
         <p:nvSpPr>
-          <p:cNvPr id="207" name="Google Shape;207;g207f28abcc0_0_80:notes"/>
+          <p:cNvPr id="208" name="Google Shape;208;g207f28abcc0_0_80:notes"/>
           <p:cNvSpPr/>
           <p:nvPr>
             <p:ph idx="2" type="sldImg"/>
@@ -2568,7 +2568,7 @@
       </p:sp>
       <p:sp>
         <p:nvSpPr>
-          <p:cNvPr id="208" name="Google Shape;208;g207f28abcc0_0_80:notes"/>
+          <p:cNvPr id="209" name="Google Shape;209;g207f28abcc0_0_80:notes"/>
           <p:cNvSpPr txBox="1"/>
           <p:nvPr>
             <p:ph idx="1" type="body"/>
@@ -2717,7 +2717,7 @@
   <p:cSld>
     <p:spTree>
       <p:nvGrpSpPr>
-        <p:cNvPr id="70" name="Shape 70"/>
+        <p:cNvPr id="71" name="Shape 71"/>
         <p:cNvGrpSpPr/>
         <p:nvPr/>
       </p:nvGrpSpPr>
@@ -2731,7 +2731,7 @@
       </p:grpSpPr>
       <p:sp>
         <p:nvSpPr>
-          <p:cNvPr id="71" name="Google Shape;71;g207f15ac91e_0_130:notes"/>
+          <p:cNvPr id="72" name="Google Shape;72;g207f15ac91e_0_130:notes"/>
           <p:cNvSpPr/>
           <p:nvPr>
             <p:ph idx="2" type="sldImg"/>
@@ -2766,7 +2766,7 @@
       </p:sp>
       <p:sp>
         <p:nvSpPr>
-          <p:cNvPr id="72" name="Google Shape;72;g207f15ac91e_0_130:notes"/>
+          <p:cNvPr id="73" name="Google Shape;73;g207f15ac91e_0_130:notes"/>
           <p:cNvSpPr txBox="1"/>
           <p:nvPr>
             <p:ph idx="1" type="body"/>
@@ -2816,7 +2816,7 @@
   <p:cSld>
     <p:spTree>
       <p:nvGrpSpPr>
-        <p:cNvPr id="78" name="Shape 78"/>
+        <p:cNvPr id="79" name="Shape 79"/>
         <p:cNvGrpSpPr/>
         <p:nvPr/>
       </p:nvGrpSpPr>
@@ -2830,7 +2830,7 @@
       </p:grpSpPr>
       <p:sp>
         <p:nvSpPr>
-          <p:cNvPr id="79" name="Google Shape;79;g207f15ac91e_0_140:notes"/>
+          <p:cNvPr id="80" name="Google Shape;80;g207f15ac91e_0_140:notes"/>
           <p:cNvSpPr/>
           <p:nvPr>
             <p:ph idx="2" type="sldImg"/>
@@ -2865,7 +2865,7 @@
       </p:sp>
       <p:sp>
         <p:nvSpPr>
-          <p:cNvPr id="80" name="Google Shape;80;g207f15ac91e_0_140:notes"/>
+          <p:cNvPr id="81" name="Google Shape;81;g207f15ac91e_0_140:notes"/>
           <p:cNvSpPr txBox="1"/>
           <p:nvPr>
             <p:ph idx="1" type="body"/>
@@ -2915,7 +2915,7 @@
   <p:cSld>
     <p:spTree>
       <p:nvGrpSpPr>
-        <p:cNvPr id="85" name="Shape 85"/>
+        <p:cNvPr id="86" name="Shape 86"/>
         <p:cNvGrpSpPr/>
         <p:nvPr/>
       </p:nvGrpSpPr>
@@ -2929,7 +2929,7 @@
       </p:grpSpPr>
       <p:sp>
         <p:nvSpPr>
-          <p:cNvPr id="86" name="Google Shape;86;g207f15ac91e_0_146:notes"/>
+          <p:cNvPr id="87" name="Google Shape;87;g207f15ac91e_0_146:notes"/>
           <p:cNvSpPr/>
           <p:nvPr>
             <p:ph idx="2" type="sldImg"/>
@@ -2964,7 +2964,7 @@
       </p:sp>
       <p:sp>
         <p:nvSpPr>
-          <p:cNvPr id="87" name="Google Shape;87;g207f15ac91e_0_146:notes"/>
+          <p:cNvPr id="88" name="Google Shape;88;g207f15ac91e_0_146:notes"/>
           <p:cNvSpPr txBox="1"/>
           <p:nvPr>
             <p:ph idx="1" type="body"/>
@@ -3014,7 +3014,7 @@
   <p:cSld>
     <p:spTree>
       <p:nvGrpSpPr>
-        <p:cNvPr id="91" name="Shape 91"/>
+        <p:cNvPr id="92" name="Shape 92"/>
         <p:cNvGrpSpPr/>
         <p:nvPr/>
       </p:nvGrpSpPr>
@@ -3028,7 +3028,7 @@
       </p:grpSpPr>
       <p:sp>
         <p:nvSpPr>
-          <p:cNvPr id="92" name="Google Shape;92;g207f15ac91e_0_151:notes"/>
+          <p:cNvPr id="93" name="Google Shape;93;g207f15ac91e_0_151:notes"/>
           <p:cNvSpPr/>
           <p:nvPr>
             <p:ph idx="2" type="sldImg"/>
@@ -3063,7 +3063,7 @@
       </p:sp>
       <p:sp>
         <p:nvSpPr>
-          <p:cNvPr id="93" name="Google Shape;93;g207f15ac91e_0_151:notes"/>
+          <p:cNvPr id="94" name="Google Shape;94;g207f15ac91e_0_151:notes"/>
           <p:cNvSpPr txBox="1"/>
           <p:nvPr>
             <p:ph idx="1" type="body"/>
@@ -3113,7 +3113,7 @@
   <p:cSld>
     <p:spTree>
       <p:nvGrpSpPr>
-        <p:cNvPr id="97" name="Shape 97"/>
+        <p:cNvPr id="98" name="Shape 98"/>
         <p:cNvGrpSpPr/>
         <p:nvPr/>
       </p:nvGrpSpPr>
@@ -3127,7 +3127,7 @@
       </p:grpSpPr>
       <p:sp>
         <p:nvSpPr>
-          <p:cNvPr id="98" name="Google Shape;98;g207f28abcc0_0_100:notes"/>
+          <p:cNvPr id="99" name="Google Shape;99;g207f28abcc0_0_100:notes"/>
           <p:cNvSpPr/>
           <p:nvPr>
             <p:ph idx="2" type="sldImg"/>
@@ -3162,7 +3162,7 @@
       </p:sp>
       <p:sp>
         <p:nvSpPr>
-          <p:cNvPr id="99" name="Google Shape;99;g207f28abcc0_0_100:notes"/>
+          <p:cNvPr id="100" name="Google Shape;100;g207f28abcc0_0_100:notes"/>
           <p:cNvSpPr txBox="1"/>
           <p:nvPr>
             <p:ph idx="1" type="body"/>
@@ -3212,7 +3212,7 @@
   <p:cSld>
     <p:spTree>
       <p:nvGrpSpPr>
-        <p:cNvPr id="102" name="Shape 102"/>
+        <p:cNvPr id="103" name="Shape 103"/>
         <p:cNvGrpSpPr/>
         <p:nvPr/>
       </p:nvGrpSpPr>
@@ -3226,7 +3226,7 @@
       </p:grpSpPr>
       <p:sp>
         <p:nvSpPr>
-          <p:cNvPr id="103" name="Google Shape;103;g207f28abcc0_0_0:notes"/>
+          <p:cNvPr id="104" name="Google Shape;104;g207f28abcc0_0_0:notes"/>
           <p:cNvSpPr/>
           <p:nvPr>
             <p:ph idx="2" type="sldImg"/>
@@ -3261,7 +3261,7 @@
       </p:sp>
       <p:sp>
         <p:nvSpPr>
-          <p:cNvPr id="104" name="Google Shape;104;g207f28abcc0_0_0:notes"/>
+          <p:cNvPr id="105" name="Google Shape;105;g207f28abcc0_0_0:notes"/>
           <p:cNvSpPr txBox="1"/>
           <p:nvPr>
             <p:ph idx="1" type="body"/>
@@ -8764,7 +8764,7 @@
   <p:cSld>
     <p:spTree>
       <p:nvGrpSpPr>
-        <p:cNvPr id="111" name="Shape 111"/>
+        <p:cNvPr id="112" name="Shape 112"/>
         <p:cNvGrpSpPr/>
         <p:nvPr/>
       </p:nvGrpSpPr>
@@ -8778,7 +8778,7 @@
       </p:grpSpPr>
       <p:sp>
         <p:nvSpPr>
-          <p:cNvPr id="112" name="Google Shape;112;p22"/>
+          <p:cNvPr id="113" name="Google Shape;113;p22"/>
           <p:cNvSpPr txBox="1"/>
           <p:nvPr>
             <p:ph type="title"/>
@@ -8818,7 +8818,7 @@
       </p:sp>
       <p:sp>
         <p:nvSpPr>
-          <p:cNvPr id="113" name="Google Shape;113;p22"/>
+          <p:cNvPr id="114" name="Google Shape;114;p22"/>
           <p:cNvSpPr txBox="1"/>
           <p:nvPr>
             <p:ph idx="1" type="body"/>
@@ -8920,7 +8920,7 @@
   <p:cSld>
     <p:spTree>
       <p:nvGrpSpPr>
-        <p:cNvPr id="117" name="Shape 117"/>
+        <p:cNvPr id="118" name="Shape 118"/>
         <p:cNvGrpSpPr/>
         <p:nvPr/>
       </p:nvGrpSpPr>
@@ -8934,7 +8934,7 @@
       </p:grpSpPr>
       <p:sp>
         <p:nvSpPr>
-          <p:cNvPr id="118" name="Google Shape;118;p23"/>
+          <p:cNvPr id="119" name="Google Shape;119;p23"/>
           <p:cNvSpPr txBox="1"/>
           <p:nvPr>
             <p:ph type="title"/>
@@ -8974,7 +8974,7 @@
       </p:sp>
       <p:pic>
         <p:nvPicPr>
-          <p:cNvPr id="119" name="Google Shape;119;p23"/>
+          <p:cNvPr id="120" name="Google Shape;120;p23"/>
           <p:cNvPicPr preferRelativeResize="0"/>
           <p:nvPr/>
         </p:nvPicPr>
@@ -9013,7 +9013,7 @@
   <p:cSld>
     <p:spTree>
       <p:nvGrpSpPr>
-        <p:cNvPr id="123" name="Shape 123"/>
+        <p:cNvPr id="124" name="Shape 124"/>
         <p:cNvGrpSpPr/>
         <p:nvPr/>
       </p:nvGrpSpPr>
@@ -9027,7 +9027,7 @@
       </p:grpSpPr>
       <p:sp>
         <p:nvSpPr>
-          <p:cNvPr id="124" name="Google Shape;124;p24"/>
+          <p:cNvPr id="125" name="Google Shape;125;p24"/>
           <p:cNvSpPr txBox="1"/>
           <p:nvPr>
             <p:ph type="title"/>
@@ -9067,7 +9067,7 @@
       </p:sp>
       <p:pic>
         <p:nvPicPr>
-          <p:cNvPr id="125" name="Google Shape;125;p24"/>
+          <p:cNvPr id="126" name="Google Shape;126;p24"/>
           <p:cNvPicPr preferRelativeResize="0"/>
           <p:nvPr/>
         </p:nvPicPr>
@@ -9106,7 +9106,7 @@
   <p:cSld>
     <p:spTree>
       <p:nvGrpSpPr>
-        <p:cNvPr id="129" name="Shape 129"/>
+        <p:cNvPr id="130" name="Shape 130"/>
         <p:cNvGrpSpPr/>
         <p:nvPr/>
       </p:nvGrpSpPr>
@@ -9120,7 +9120,7 @@
       </p:grpSpPr>
       <p:sp>
         <p:nvSpPr>
-          <p:cNvPr id="130" name="Google Shape;130;p25"/>
+          <p:cNvPr id="131" name="Google Shape;131;p25"/>
           <p:cNvSpPr txBox="1"/>
           <p:nvPr>
             <p:ph type="title"/>
@@ -9160,7 +9160,7 @@
       </p:sp>
       <p:pic>
         <p:nvPicPr>
-          <p:cNvPr id="131" name="Google Shape;131;p25"/>
+          <p:cNvPr id="132" name="Google Shape;132;p25"/>
           <p:cNvPicPr preferRelativeResize="0"/>
           <p:nvPr/>
         </p:nvPicPr>
@@ -9199,7 +9199,7 @@
   <p:cSld>
     <p:spTree>
       <p:nvGrpSpPr>
-        <p:cNvPr id="135" name="Shape 135"/>
+        <p:cNvPr id="136" name="Shape 136"/>
         <p:cNvGrpSpPr/>
         <p:nvPr/>
       </p:nvGrpSpPr>
@@ -9213,7 +9213,7 @@
       </p:grpSpPr>
       <p:sp>
         <p:nvSpPr>
-          <p:cNvPr id="136" name="Google Shape;136;p26"/>
+          <p:cNvPr id="137" name="Google Shape;137;p26"/>
           <p:cNvSpPr txBox="1"/>
           <p:nvPr>
             <p:ph type="title"/>
@@ -9253,7 +9253,7 @@
       </p:sp>
       <p:pic>
         <p:nvPicPr>
-          <p:cNvPr id="137" name="Google Shape;137;p26"/>
+          <p:cNvPr id="138" name="Google Shape;138;p26"/>
           <p:cNvPicPr preferRelativeResize="0"/>
           <p:nvPr/>
         </p:nvPicPr>
@@ -9292,7 +9292,7 @@
   <p:cSld>
     <p:spTree>
       <p:nvGrpSpPr>
-        <p:cNvPr id="141" name="Shape 141"/>
+        <p:cNvPr id="142" name="Shape 142"/>
         <p:cNvGrpSpPr/>
         <p:nvPr/>
       </p:nvGrpSpPr>
@@ -9306,7 +9306,7 @@
       </p:grpSpPr>
       <p:sp>
         <p:nvSpPr>
-          <p:cNvPr id="142" name="Google Shape;142;p27"/>
+          <p:cNvPr id="143" name="Google Shape;143;p27"/>
           <p:cNvSpPr txBox="1"/>
           <p:nvPr>
             <p:ph type="title"/>
@@ -9357,7 +9357,7 @@
   <p:cSld>
     <p:spTree>
       <p:nvGrpSpPr>
-        <p:cNvPr id="146" name="Shape 146"/>
+        <p:cNvPr id="147" name="Shape 147"/>
         <p:cNvGrpSpPr/>
         <p:nvPr/>
       </p:nvGrpSpPr>
@@ -9371,7 +9371,7 @@
       </p:grpSpPr>
       <p:sp>
         <p:nvSpPr>
-          <p:cNvPr id="147" name="Google Shape;147;p28"/>
+          <p:cNvPr id="148" name="Google Shape;148;p28"/>
           <p:cNvSpPr txBox="1"/>
           <p:nvPr>
             <p:ph type="title"/>
@@ -9411,7 +9411,7 @@
       </p:sp>
       <p:sp>
         <p:nvSpPr>
-          <p:cNvPr id="148" name="Google Shape;148;p28"/>
+          <p:cNvPr id="149" name="Google Shape;149;p28"/>
           <p:cNvSpPr txBox="1"/>
           <p:nvPr>
             <p:ph idx="1" type="body"/>
@@ -9526,7 +9526,7 @@
   <p:cSld>
     <p:spTree>
       <p:nvGrpSpPr>
-        <p:cNvPr id="152" name="Shape 152"/>
+        <p:cNvPr id="153" name="Shape 153"/>
         <p:cNvGrpSpPr/>
         <p:nvPr/>
       </p:nvGrpSpPr>
@@ -9540,7 +9540,7 @@
       </p:grpSpPr>
       <p:pic>
         <p:nvPicPr>
-          <p:cNvPr id="153" name="Google Shape;153;p29"/>
+          <p:cNvPr id="154" name="Google Shape;154;p29"/>
           <p:cNvPicPr preferRelativeResize="0"/>
           <p:nvPr/>
         </p:nvPicPr>
@@ -9568,7 +9568,7 @@
       </p:pic>
       <p:pic>
         <p:nvPicPr>
-          <p:cNvPr id="154" name="Google Shape;154;p29"/>
+          <p:cNvPr id="155" name="Google Shape;155;p29"/>
           <p:cNvPicPr preferRelativeResize="0"/>
           <p:nvPr/>
         </p:nvPicPr>
@@ -9596,7 +9596,7 @@
       </p:pic>
       <p:pic>
         <p:nvPicPr>
-          <p:cNvPr id="155" name="Google Shape;155;p29"/>
+          <p:cNvPr id="156" name="Google Shape;156;p29"/>
           <p:cNvPicPr preferRelativeResize="0"/>
           <p:nvPr/>
         </p:nvPicPr>
@@ -9624,7 +9624,7 @@
       </p:pic>
       <p:pic>
         <p:nvPicPr>
-          <p:cNvPr id="156" name="Google Shape;156;p29"/>
+          <p:cNvPr id="157" name="Google Shape;157;p29"/>
           <p:cNvPicPr preferRelativeResize="0"/>
           <p:nvPr/>
         </p:nvPicPr>
@@ -9663,7 +9663,7 @@
   <p:cSld>
     <p:spTree>
       <p:nvGrpSpPr>
-        <p:cNvPr id="160" name="Shape 160"/>
+        <p:cNvPr id="161" name="Shape 161"/>
         <p:cNvGrpSpPr/>
         <p:nvPr/>
       </p:nvGrpSpPr>
@@ -9677,7 +9677,7 @@
       </p:grpSpPr>
       <p:sp>
         <p:nvSpPr>
-          <p:cNvPr id="161" name="Google Shape;161;p30"/>
+          <p:cNvPr id="162" name="Google Shape;162;p30"/>
           <p:cNvSpPr txBox="1"/>
           <p:nvPr>
             <p:ph type="title"/>
@@ -9728,7 +9728,7 @@
   <p:cSld>
     <p:spTree>
       <p:nvGrpSpPr>
-        <p:cNvPr id="165" name="Shape 165"/>
+        <p:cNvPr id="166" name="Shape 166"/>
         <p:cNvGrpSpPr/>
         <p:nvPr/>
       </p:nvGrpSpPr>
@@ -9742,7 +9742,7 @@
       </p:grpSpPr>
       <p:sp>
         <p:nvSpPr>
-          <p:cNvPr id="166" name="Google Shape;166;p31"/>
+          <p:cNvPr id="167" name="Google Shape;167;p31"/>
           <p:cNvSpPr txBox="1"/>
           <p:nvPr>
             <p:ph type="title"/>
@@ -9782,7 +9782,7 @@
       </p:sp>
       <p:pic>
         <p:nvPicPr>
-          <p:cNvPr id="167" name="Google Shape;167;p31"/>
+          <p:cNvPr id="168" name="Google Shape;168;p31"/>
           <p:cNvPicPr preferRelativeResize="0"/>
           <p:nvPr/>
         </p:nvPicPr>
@@ -9886,7 +9886,7 @@
   <p:cSld>
     <p:spTree>
       <p:nvGrpSpPr>
-        <p:cNvPr id="171" name="Shape 171"/>
+        <p:cNvPr id="172" name="Shape 172"/>
         <p:cNvGrpSpPr/>
         <p:nvPr/>
       </p:nvGrpSpPr>
@@ -9900,7 +9900,7 @@
       </p:grpSpPr>
       <p:sp>
         <p:nvSpPr>
-          <p:cNvPr id="172" name="Google Shape;172;p32"/>
+          <p:cNvPr id="173" name="Google Shape;173;p32"/>
           <p:cNvSpPr txBox="1"/>
           <p:nvPr>
             <p:ph type="title"/>
@@ -9940,7 +9940,7 @@
       </p:sp>
       <p:pic>
         <p:nvPicPr>
-          <p:cNvPr id="173" name="Google Shape;173;p32"/>
+          <p:cNvPr id="174" name="Google Shape;174;p32"/>
           <p:cNvPicPr preferRelativeResize="0"/>
           <p:nvPr/>
         </p:nvPicPr>
@@ -9979,7 +9979,7 @@
   <p:cSld>
     <p:spTree>
       <p:nvGrpSpPr>
-        <p:cNvPr id="177" name="Shape 177"/>
+        <p:cNvPr id="178" name="Shape 178"/>
         <p:cNvGrpSpPr/>
         <p:nvPr/>
       </p:nvGrpSpPr>
@@ -9993,7 +9993,7 @@
       </p:grpSpPr>
       <p:sp>
         <p:nvSpPr>
-          <p:cNvPr id="178" name="Google Shape;178;p33"/>
+          <p:cNvPr id="179" name="Google Shape;179;p33"/>
           <p:cNvSpPr txBox="1"/>
           <p:nvPr>
             <p:ph type="title"/>
@@ -10033,7 +10033,7 @@
       </p:sp>
       <p:sp>
         <p:nvSpPr>
-          <p:cNvPr id="179" name="Google Shape;179;p33"/>
+          <p:cNvPr id="180" name="Google Shape;180;p33"/>
           <p:cNvSpPr txBox="1"/>
           <p:nvPr>
             <p:ph idx="1" type="body"/>
@@ -10203,7 +10203,7 @@
   <p:cSld>
     <p:spTree>
       <p:nvGrpSpPr>
-        <p:cNvPr id="183" name="Shape 183"/>
+        <p:cNvPr id="184" name="Shape 184"/>
         <p:cNvGrpSpPr/>
         <p:nvPr/>
       </p:nvGrpSpPr>
@@ -10217,7 +10217,7 @@
       </p:grpSpPr>
       <p:sp>
         <p:nvSpPr>
-          <p:cNvPr id="184" name="Google Shape;184;p34"/>
+          <p:cNvPr id="185" name="Google Shape;185;p34"/>
           <p:cNvSpPr txBox="1"/>
           <p:nvPr>
             <p:ph type="title"/>
@@ -10257,7 +10257,7 @@
       </p:sp>
       <p:sp>
         <p:nvSpPr>
-          <p:cNvPr id="185" name="Google Shape;185;p34"/>
+          <p:cNvPr id="186" name="Google Shape;186;p34"/>
           <p:cNvSpPr txBox="1"/>
           <p:nvPr>
             <p:ph idx="1" type="body"/>
@@ -10354,7 +10354,7 @@
   <p:cSld>
     <p:spTree>
       <p:nvGrpSpPr>
-        <p:cNvPr id="189" name="Shape 189"/>
+        <p:cNvPr id="190" name="Shape 190"/>
         <p:cNvGrpSpPr/>
         <p:nvPr/>
       </p:nvGrpSpPr>
@@ -10368,7 +10368,7 @@
       </p:grpSpPr>
       <p:sp>
         <p:nvSpPr>
-          <p:cNvPr id="190" name="Google Shape;190;p35"/>
+          <p:cNvPr id="191" name="Google Shape;191;p35"/>
           <p:cNvSpPr txBox="1"/>
           <p:nvPr>
             <p:ph type="title"/>
@@ -10408,7 +10408,7 @@
       </p:sp>
       <p:pic>
         <p:nvPicPr>
-          <p:cNvPr id="191" name="Google Shape;191;p35"/>
+          <p:cNvPr id="192" name="Google Shape;192;p35"/>
           <p:cNvPicPr preferRelativeResize="0"/>
           <p:nvPr/>
         </p:nvPicPr>
@@ -10436,7 +10436,7 @@
       </p:pic>
       <p:pic>
         <p:nvPicPr>
-          <p:cNvPr id="192" name="Google Shape;192;p35"/>
+          <p:cNvPr id="193" name="Google Shape;193;p35"/>
           <p:cNvPicPr preferRelativeResize="0"/>
           <p:nvPr/>
         </p:nvPicPr>
@@ -10475,7 +10475,7 @@
   <p:cSld>
     <p:spTree>
       <p:nvGrpSpPr>
-        <p:cNvPr id="196" name="Shape 196"/>
+        <p:cNvPr id="197" name="Shape 197"/>
         <p:cNvGrpSpPr/>
         <p:nvPr/>
       </p:nvGrpSpPr>
@@ -10489,7 +10489,7 @@
       </p:grpSpPr>
       <p:sp>
         <p:nvSpPr>
-          <p:cNvPr id="197" name="Google Shape;197;p36"/>
+          <p:cNvPr id="198" name="Google Shape;198;p36"/>
           <p:cNvSpPr txBox="1"/>
           <p:nvPr>
             <p:ph type="title"/>
@@ -10529,7 +10529,7 @@
       </p:sp>
       <p:pic>
         <p:nvPicPr>
-          <p:cNvPr id="198" name="Google Shape;198;p36"/>
+          <p:cNvPr id="199" name="Google Shape;199;p36"/>
           <p:cNvPicPr preferRelativeResize="0"/>
           <p:nvPr/>
         </p:nvPicPr>
@@ -10557,7 +10557,7 @@
       </p:pic>
       <p:pic>
         <p:nvPicPr>
-          <p:cNvPr id="199" name="Google Shape;199;p36"/>
+          <p:cNvPr id="200" name="Google Shape;200;p36"/>
           <p:cNvPicPr preferRelativeResize="0"/>
           <p:nvPr/>
         </p:nvPicPr>
@@ -10596,7 +10596,7 @@
   <p:cSld>
     <p:spTree>
       <p:nvGrpSpPr>
-        <p:cNvPr id="203" name="Shape 203"/>
+        <p:cNvPr id="204" name="Shape 204"/>
         <p:cNvGrpSpPr/>
         <p:nvPr/>
       </p:nvGrpSpPr>
@@ -10610,7 +10610,7 @@
       </p:grpSpPr>
       <p:sp>
         <p:nvSpPr>
-          <p:cNvPr id="204" name="Google Shape;204;p37"/>
+          <p:cNvPr id="205" name="Google Shape;205;p37"/>
           <p:cNvSpPr txBox="1"/>
           <p:nvPr>
             <p:ph type="title"/>
@@ -10650,7 +10650,7 @@
       </p:sp>
       <p:sp>
         <p:nvSpPr>
-          <p:cNvPr id="205" name="Google Shape;205;p37"/>
+          <p:cNvPr id="206" name="Google Shape;206;p37"/>
           <p:cNvSpPr txBox="1"/>
           <p:nvPr>
             <p:ph idx="1" type="body"/>
@@ -10732,7 +10732,7 @@
   <p:cSld>
     <p:spTree>
       <p:nvGrpSpPr>
-        <p:cNvPr id="209" name="Shape 209"/>
+        <p:cNvPr id="210" name="Shape 210"/>
         <p:cNvGrpSpPr/>
         <p:nvPr/>
       </p:nvGrpSpPr>
@@ -10746,7 +10746,7 @@
       </p:grpSpPr>
       <p:sp>
         <p:nvSpPr>
-          <p:cNvPr id="210" name="Google Shape;210;p38"/>
+          <p:cNvPr id="211" name="Google Shape;211;p38"/>
           <p:cNvSpPr txBox="1"/>
           <p:nvPr>
             <p:ph type="title"/>
@@ -10786,7 +10786,7 @@
       </p:sp>
       <p:sp>
         <p:nvSpPr>
-          <p:cNvPr id="211" name="Google Shape;211;p38"/>
+          <p:cNvPr id="212" name="Google Shape;212;p38"/>
           <p:cNvSpPr txBox="1"/>
           <p:nvPr>
             <p:ph idx="1" type="body"/>
@@ -11163,6 +11163,34 @@
           </a:p>
         </p:txBody>
       </p:sp>
+      <p:pic>
+        <p:nvPicPr>
+          <p:cNvPr id="70" name="Google Shape;70;p15"/>
+          <p:cNvPicPr preferRelativeResize="0"/>
+          <p:nvPr/>
+        </p:nvPicPr>
+        <p:blipFill>
+          <a:blip r:embed="rId3">
+            <a:alphaModFix/>
+          </a:blip>
+          <a:stretch>
+            <a:fillRect/>
+          </a:stretch>
+        </p:blipFill>
+        <p:spPr>
+          <a:xfrm>
+            <a:off x="5400099" y="73700"/>
+            <a:ext cx="3145625" cy="1783475"/>
+          </a:xfrm>
+          <a:prstGeom prst="rect">
+            <a:avLst/>
+          </a:prstGeom>
+          <a:noFill/>
+          <a:ln>
+            <a:noFill/>
+          </a:ln>
+        </p:spPr>
+      </p:pic>
     </p:spTree>
   </p:cSld>
   <p:clrMapOvr>
@@ -11176,7 +11204,7 @@
   <p:cSld>
     <p:spTree>
       <p:nvGrpSpPr>
-        <p:cNvPr id="73" name="Shape 73"/>
+        <p:cNvPr id="74" name="Shape 74"/>
         <p:cNvGrpSpPr/>
         <p:nvPr/>
       </p:nvGrpSpPr>
@@ -11190,7 +11218,7 @@
       </p:grpSpPr>
       <p:sp>
         <p:nvSpPr>
-          <p:cNvPr id="74" name="Google Shape;74;p16"/>
+          <p:cNvPr id="75" name="Google Shape;75;p16"/>
           <p:cNvSpPr txBox="1"/>
           <p:nvPr>
             <p:ph type="title"/>
@@ -11238,7 +11266,7 @@
       </p:sp>
       <p:sp>
         <p:nvSpPr>
-          <p:cNvPr id="75" name="Google Shape;75;p16"/>
+          <p:cNvPr id="76" name="Google Shape;76;p16"/>
           <p:cNvSpPr txBox="1"/>
           <p:nvPr>
             <p:ph idx="1" type="body"/>
@@ -11313,7 +11341,7 @@
       </p:sp>
       <p:pic>
         <p:nvPicPr>
-          <p:cNvPr id="76" name="Google Shape;76;p16"/>
+          <p:cNvPr id="77" name="Google Shape;77;p16"/>
           <p:cNvPicPr preferRelativeResize="0"/>
           <p:nvPr/>
         </p:nvPicPr>
@@ -11341,7 +11369,7 @@
       </p:pic>
       <p:sp>
         <p:nvSpPr>
-          <p:cNvPr id="77" name="Google Shape;77;p16"/>
+          <p:cNvPr id="78" name="Google Shape;78;p16"/>
           <p:cNvSpPr txBox="1"/>
           <p:nvPr>
             <p:ph idx="1" type="body"/>
@@ -11405,7 +11433,7 @@
   <p:cSld>
     <p:spTree>
       <p:nvGrpSpPr>
-        <p:cNvPr id="81" name="Shape 81"/>
+        <p:cNvPr id="82" name="Shape 82"/>
         <p:cNvGrpSpPr/>
         <p:nvPr/>
       </p:nvGrpSpPr>
@@ -11419,7 +11447,7 @@
       </p:grpSpPr>
       <p:sp>
         <p:nvSpPr>
-          <p:cNvPr id="82" name="Google Shape;82;p17"/>
+          <p:cNvPr id="83" name="Google Shape;83;p17"/>
           <p:cNvSpPr txBox="1"/>
           <p:nvPr>
             <p:ph type="title"/>
@@ -11459,7 +11487,7 @@
       </p:sp>
       <p:sp>
         <p:nvSpPr>
-          <p:cNvPr id="83" name="Google Shape;83;p17"/>
+          <p:cNvPr id="84" name="Google Shape;84;p17"/>
           <p:cNvSpPr txBox="1"/>
           <p:nvPr>
             <p:ph idx="1" type="body"/>
@@ -11542,7 +11570,7 @@
       </p:sp>
       <p:pic>
         <p:nvPicPr>
-          <p:cNvPr id="84" name="Google Shape;84;p17"/>
+          <p:cNvPr id="85" name="Google Shape;85;p17"/>
           <p:cNvPicPr preferRelativeResize="0"/>
           <p:nvPr/>
         </p:nvPicPr>
@@ -11581,7 +11609,7 @@
   <p:cSld>
     <p:spTree>
       <p:nvGrpSpPr>
-        <p:cNvPr id="88" name="Shape 88"/>
+        <p:cNvPr id="89" name="Shape 89"/>
         <p:cNvGrpSpPr/>
         <p:nvPr/>
       </p:nvGrpSpPr>
@@ -11595,7 +11623,7 @@
       </p:grpSpPr>
       <p:sp>
         <p:nvSpPr>
-          <p:cNvPr id="89" name="Google Shape;89;p18"/>
+          <p:cNvPr id="90" name="Google Shape;90;p18"/>
           <p:cNvSpPr txBox="1"/>
           <p:nvPr>
             <p:ph type="title"/>
@@ -11635,7 +11663,7 @@
       </p:sp>
       <p:sp>
         <p:nvSpPr>
-          <p:cNvPr id="90" name="Google Shape;90;p18"/>
+          <p:cNvPr id="91" name="Google Shape;91;p18"/>
           <p:cNvSpPr txBox="1"/>
           <p:nvPr>
             <p:ph idx="1" type="body"/>
@@ -11756,7 +11784,7 @@
   <p:cSld>
     <p:spTree>
       <p:nvGrpSpPr>
-        <p:cNvPr id="94" name="Shape 94"/>
+        <p:cNvPr id="95" name="Shape 95"/>
         <p:cNvGrpSpPr/>
         <p:nvPr/>
       </p:nvGrpSpPr>
@@ -11770,7 +11798,7 @@
       </p:grpSpPr>
       <p:sp>
         <p:nvSpPr>
-          <p:cNvPr id="95" name="Google Shape;95;p19"/>
+          <p:cNvPr id="96" name="Google Shape;96;p19"/>
           <p:cNvSpPr txBox="1"/>
           <p:nvPr>
             <p:ph type="title"/>
@@ -11810,7 +11838,7 @@
       </p:sp>
       <p:sp>
         <p:nvSpPr>
-          <p:cNvPr id="96" name="Google Shape;96;p19"/>
+          <p:cNvPr id="97" name="Google Shape;97;p19"/>
           <p:cNvSpPr txBox="1"/>
           <p:nvPr>
             <p:ph idx="1" type="body"/>
@@ -11885,7 +11913,7 @@
   <p:cSld>
     <p:spTree>
       <p:nvGrpSpPr>
-        <p:cNvPr id="100" name="Shape 100"/>
+        <p:cNvPr id="101" name="Shape 101"/>
         <p:cNvGrpSpPr/>
         <p:nvPr/>
       </p:nvGrpSpPr>
@@ -11899,7 +11927,7 @@
       </p:grpSpPr>
       <p:sp>
         <p:nvSpPr>
-          <p:cNvPr id="101" name="Google Shape;101;p20"/>
+          <p:cNvPr id="102" name="Google Shape;102;p20"/>
           <p:cNvSpPr txBox="1"/>
           <p:nvPr>
             <p:ph type="title"/>
@@ -11950,7 +11978,7 @@
   <p:cSld>
     <p:spTree>
       <p:nvGrpSpPr>
-        <p:cNvPr id="105" name="Shape 105"/>
+        <p:cNvPr id="106" name="Shape 106"/>
         <p:cNvGrpSpPr/>
         <p:nvPr/>
       </p:nvGrpSpPr>
@@ -11964,7 +11992,7 @@
       </p:grpSpPr>
       <p:sp>
         <p:nvSpPr>
-          <p:cNvPr id="106" name="Google Shape;106;p21"/>
+          <p:cNvPr id="107" name="Google Shape;107;p21"/>
           <p:cNvSpPr txBox="1"/>
           <p:nvPr>
             <p:ph type="title"/>
@@ -12004,7 +12032,7 @@
       </p:sp>
       <p:pic>
         <p:nvPicPr>
-          <p:cNvPr id="107" name="Google Shape;107;p21"/>
+          <p:cNvPr id="108" name="Google Shape;108;p21"/>
           <p:cNvPicPr preferRelativeResize="0"/>
           <p:nvPr/>
         </p:nvPicPr>
@@ -12039,6 +12067,285 @@
 </file>
 
 <file path=ppt/theme/theme1.xml><?xml version="1.0" encoding="utf-8"?>
+<a:theme xmlns:a="http://schemas.openxmlformats.org/drawingml/2006/main" xmlns:r="http://schemas.openxmlformats.org/officeDocument/2006/relationships">
+  <a:themeElements>
+    <a:clrScheme name="Default">
+      <a:dk1>
+        <a:srgbClr val="000000"/>
+      </a:dk1>
+      <a:lt1>
+        <a:srgbClr val="FFFFFF"/>
+      </a:lt1>
+      <a:dk2>
+        <a:srgbClr val="158158"/>
+      </a:dk2>
+      <a:lt2>
+        <a:srgbClr val="F3F3F3"/>
+      </a:lt2>
+      <a:accent1>
+        <a:srgbClr val="058DC7"/>
+      </a:accent1>
+      <a:accent2>
+        <a:srgbClr val="50B432"/>
+      </a:accent2>
+      <a:accent3>
+        <a:srgbClr val="ED561B"/>
+      </a:accent3>
+      <a:accent4>
+        <a:srgbClr val="EDEF00"/>
+      </a:accent4>
+      <a:accent5>
+        <a:srgbClr val="24CBE5"/>
+      </a:accent5>
+      <a:accent6>
+        <a:srgbClr val="64E572"/>
+      </a:accent6>
+      <a:hlink>
+        <a:srgbClr val="2200CC"/>
+      </a:hlink>
+      <a:folHlink>
+        <a:srgbClr val="551A8B"/>
+      </a:folHlink>
+    </a:clrScheme>
+    <a:fontScheme name="Office">
+      <a:majorFont>
+        <a:latin typeface="Arial"/>
+        <a:ea typeface=""/>
+        <a:cs typeface=""/>
+        <a:font script="Jpan" typeface="ＭＳ Ｐゴシック"/>
+        <a:font script="Hang" typeface="맑은 고딕"/>
+        <a:font script="Hans" typeface="宋体"/>
+        <a:font script="Hant" typeface="新細明體"/>
+        <a:font script="Arab" typeface="Times New Roman"/>
+        <a:font script="Hebr" typeface="Times New Roman"/>
+        <a:font script="Thai" typeface="Angsana New"/>
+        <a:font script="Ethi" typeface="Nyala"/>
+        <a:font script="Beng" typeface="Vrinda"/>
+        <a:font script="Gujr" typeface="Shruti"/>
+        <a:font script="Khmr" typeface="MoolBoran"/>
+        <a:font script="Knda" typeface="Tunga"/>
+        <a:font script="Guru" typeface="Raavi"/>
+        <a:font script="Cans" typeface="Euphemia"/>
+        <a:font script="Cher" typeface="Plantagenet Cherokee"/>
+        <a:font script="Yiii" typeface="Microsoft Yi Baiti"/>
+        <a:font script="Tibt" typeface="Microsoft Himalaya"/>
+        <a:font script="Thaa" typeface="MV Boli"/>
+        <a:font script="Deva" typeface="Mangal"/>
+        <a:font script="Telu" typeface="Gautami"/>
+        <a:font script="Taml" typeface="Latha"/>
+        <a:font script="Syrc" typeface="Estrangelo Edessa"/>
+        <a:font script="Orya" typeface="Kalinga"/>
+        <a:font script="Mlym" typeface="Kartika"/>
+        <a:font script="Laoo" typeface="DokChampa"/>
+        <a:font script="Sinh" typeface="Iskoola Pota"/>
+        <a:font script="Mong" typeface="Mongolian Baiti"/>
+        <a:font script="Viet" typeface="Times New Roman"/>
+        <a:font script="Uigh" typeface="Microsoft Uighur"/>
+        <a:font script="Geor" typeface="Sylfaen"/>
+      </a:majorFont>
+      <a:minorFont>
+        <a:latin typeface="Arial"/>
+        <a:ea typeface=""/>
+        <a:cs typeface=""/>
+        <a:font script="Jpan" typeface="ＭＳ Ｐゴシック"/>
+        <a:font script="Hang" typeface="맑은 고딕"/>
+        <a:font script="Hans" typeface="宋体"/>
+        <a:font script="Hant" typeface="新細明體"/>
+        <a:font script="Arab" typeface="Arial"/>
+        <a:font script="Hebr" typeface="Arial"/>
+        <a:font script="Thai" typeface="Cordia New"/>
+        <a:font script="Ethi" typeface="Nyala"/>
+        <a:font script="Beng" typeface="Vrinda"/>
+        <a:font script="Gujr" typeface="Shruti"/>
+        <a:font script="Khmr" typeface="DaunPenh"/>
+        <a:font script="Knda" typeface="Tunga"/>
+        <a:font script="Guru" typeface="Raavi"/>
+        <a:font script="Cans" typeface="Euphemia"/>
+        <a:font script="Cher" typeface="Plantagenet Cherokee"/>
+        <a:font script="Yiii" typeface="Microsoft Yi Baiti"/>
+        <a:font script="Tibt" typeface="Microsoft Himalaya"/>
+        <a:font script="Thaa" typeface="MV Boli"/>
+        <a:font script="Deva" typeface="Mangal"/>
+        <a:font script="Telu" typeface="Gautami"/>
+        <a:font script="Taml" typeface="Latha"/>
+        <a:font script="Syrc" typeface="Estrangelo Edessa"/>
+        <a:font script="Orya" typeface="Kalinga"/>
+        <a:font script="Mlym" typeface="Kartika"/>
+        <a:font script="Laoo" typeface="DokChampa"/>
+        <a:font script="Sinh" typeface="Iskoola Pota"/>
+        <a:font script="Mong" typeface="Mongolian Baiti"/>
+        <a:font script="Viet" typeface="Arial"/>
+        <a:font script="Uigh" typeface="Microsoft Uighur"/>
+        <a:font script="Geor" typeface="Sylfaen"/>
+      </a:minorFont>
+    </a:fontScheme>
+    <a:fmtScheme name="Office">
+      <a:fillStyleLst>
+        <a:solidFill>
+          <a:schemeClr val="phClr"/>
+        </a:solidFill>
+        <a:gradFill rotWithShape="1">
+          <a:gsLst>
+            <a:gs pos="0">
+              <a:schemeClr val="phClr">
+                <a:tint val="50000"/>
+                <a:satMod val="300000"/>
+              </a:schemeClr>
+            </a:gs>
+            <a:gs pos="35000">
+              <a:schemeClr val="phClr">
+                <a:tint val="37000"/>
+                <a:satMod val="300000"/>
+              </a:schemeClr>
+            </a:gs>
+            <a:gs pos="100000">
+              <a:schemeClr val="phClr">
+                <a:tint val="15000"/>
+                <a:satMod val="350000"/>
+              </a:schemeClr>
+            </a:gs>
+          </a:gsLst>
+          <a:lin ang="16200000" scaled="1"/>
+        </a:gradFill>
+        <a:gradFill rotWithShape="1">
+          <a:gsLst>
+            <a:gs pos="0">
+              <a:schemeClr val="phClr">
+                <a:tint val="100000"/>
+                <a:shade val="100000"/>
+                <a:satMod val="130000"/>
+              </a:schemeClr>
+            </a:gs>
+            <a:gs pos="100000">
+              <a:schemeClr val="phClr">
+                <a:tint val="50000"/>
+                <a:shade val="100000"/>
+                <a:satMod val="350000"/>
+              </a:schemeClr>
+            </a:gs>
+          </a:gsLst>
+          <a:lin ang="16200000" scaled="0"/>
+        </a:gradFill>
+      </a:fillStyleLst>
+      <a:lnStyleLst>
+        <a:ln w="9525" cap="flat" cmpd="sng" algn="ctr">
+          <a:solidFill>
+            <a:schemeClr val="phClr">
+              <a:shade val="95000"/>
+              <a:satMod val="105000"/>
+            </a:schemeClr>
+          </a:solidFill>
+          <a:prstDash val="solid"/>
+        </a:ln>
+        <a:ln w="25400" cap="flat" cmpd="sng" algn="ctr">
+          <a:solidFill>
+            <a:schemeClr val="phClr"/>
+          </a:solidFill>
+          <a:prstDash val="solid"/>
+        </a:ln>
+        <a:ln w="38100" cap="flat" cmpd="sng" algn="ctr">
+          <a:solidFill>
+            <a:schemeClr val="phClr"/>
+          </a:solidFill>
+          <a:prstDash val="solid"/>
+        </a:ln>
+      </a:lnStyleLst>
+      <a:effectStyleLst>
+        <a:effectStyle>
+          <a:effectLst>
+            <a:outerShdw blurRad="40000" dist="20000" dir="5400000" rotWithShape="0">
+              <a:srgbClr val="000000">
+                <a:alpha val="38000"/>
+              </a:srgbClr>
+            </a:outerShdw>
+          </a:effectLst>
+        </a:effectStyle>
+        <a:effectStyle>
+          <a:effectLst>
+            <a:outerShdw blurRad="40000" dist="23000" dir="5400000" rotWithShape="0">
+              <a:srgbClr val="000000">
+                <a:alpha val="35000"/>
+              </a:srgbClr>
+            </a:outerShdw>
+          </a:effectLst>
+        </a:effectStyle>
+        <a:effectStyle>
+          <a:effectLst>
+            <a:outerShdw blurRad="40000" dist="23000" dir="5400000" rotWithShape="0">
+              <a:srgbClr val="000000">
+                <a:alpha val="35000"/>
+              </a:srgbClr>
+            </a:outerShdw>
+          </a:effectLst>
+          <a:scene3d>
+            <a:camera prst="orthographicFront">
+              <a:rot lat="0" lon="0" rev="0"/>
+            </a:camera>
+            <a:lightRig rig="threePt" dir="t">
+              <a:rot lat="0" lon="0" rev="1200000"/>
+            </a:lightRig>
+          </a:scene3d>
+          <a:sp3d>
+            <a:bevelT w="63500" h="25400"/>
+          </a:sp3d>
+        </a:effectStyle>
+      </a:effectStyleLst>
+      <a:bgFillStyleLst>
+        <a:solidFill>
+          <a:schemeClr val="phClr"/>
+        </a:solidFill>
+        <a:gradFill rotWithShape="1">
+          <a:gsLst>
+            <a:gs pos="0">
+              <a:schemeClr val="phClr">
+                <a:tint val="40000"/>
+                <a:satMod val="350000"/>
+              </a:schemeClr>
+            </a:gs>
+            <a:gs pos="40000">
+              <a:schemeClr val="phClr">
+                <a:tint val="45000"/>
+                <a:shade val="99000"/>
+                <a:satMod val="350000"/>
+              </a:schemeClr>
+            </a:gs>
+            <a:gs pos="100000">
+              <a:schemeClr val="phClr">
+                <a:shade val="20000"/>
+                <a:satMod val="255000"/>
+              </a:schemeClr>
+            </a:gs>
+          </a:gsLst>
+          <a:path path="circle">
+            <a:fillToRect l="50000" t="-80000" r="50000" b="180000"/>
+          </a:path>
+        </a:gradFill>
+        <a:gradFill rotWithShape="1">
+          <a:gsLst>
+            <a:gs pos="0">
+              <a:schemeClr val="phClr">
+                <a:tint val="80000"/>
+                <a:satMod val="300000"/>
+              </a:schemeClr>
+            </a:gs>
+            <a:gs pos="100000">
+              <a:schemeClr val="phClr">
+                <a:shade val="30000"/>
+                <a:satMod val="200000"/>
+              </a:schemeClr>
+            </a:gs>
+          </a:gsLst>
+          <a:path path="circle">
+            <a:fillToRect l="50000" t="50000" r="50000" b="50000"/>
+          </a:path>
+        </a:gradFill>
+      </a:bgFillStyleLst>
+    </a:fmtScheme>
+  </a:themeElements>
+</a:theme>
+</file>
+
+<file path=ppt/theme/theme2.xml><?xml version="1.0" encoding="utf-8"?>
 <a:theme xmlns:a="http://schemas.openxmlformats.org/drawingml/2006/main" xmlns:r="http://schemas.openxmlformats.org/officeDocument/2006/relationships" name="Beach Day">
   <a:themeElements>
     <a:clrScheme name="Beach Day">
@@ -12315,283 +12622,4 @@
     </a:fmtScheme>
   </a:themeElements>
 </a:theme>
-</file>
-
-<file path=ppt/theme/theme2.xml><?xml version="1.0" encoding="utf-8"?>
-<a:theme xmlns:a="http://schemas.openxmlformats.org/drawingml/2006/main" xmlns:r="http://schemas.openxmlformats.org/officeDocument/2006/relationships">
-  <a:themeElements>
-    <a:clrScheme name="Default">
-      <a:dk1>
-        <a:srgbClr val="000000"/>
-      </a:dk1>
-      <a:lt1>
-        <a:srgbClr val="FFFFFF"/>
-      </a:lt1>
-      <a:dk2>
-        <a:srgbClr val="158158"/>
-      </a:dk2>
-      <a:lt2>
-        <a:srgbClr val="F3F3F3"/>
-      </a:lt2>
-      <a:accent1>
-        <a:srgbClr val="058DC7"/>
-      </a:accent1>
-      <a:accent2>
-        <a:srgbClr val="50B432"/>
-      </a:accent2>
-      <a:accent3>
-        <a:srgbClr val="ED561B"/>
-      </a:accent3>
-      <a:accent4>
-        <a:srgbClr val="EDEF00"/>
-      </a:accent4>
-      <a:accent5>
-        <a:srgbClr val="24CBE5"/>
-      </a:accent5>
-      <a:accent6>
-        <a:srgbClr val="64E572"/>
-      </a:accent6>
-      <a:hlink>
-        <a:srgbClr val="2200CC"/>
-      </a:hlink>
-      <a:folHlink>
-        <a:srgbClr val="551A8B"/>
-      </a:folHlink>
-    </a:clrScheme>
-    <a:fontScheme name="Office">
-      <a:majorFont>
-        <a:latin typeface="Arial"/>
-        <a:ea typeface=""/>
-        <a:cs typeface=""/>
-        <a:font script="Jpan" typeface="ＭＳ Ｐゴシック"/>
-        <a:font script="Hang" typeface="맑은 고딕"/>
-        <a:font script="Hans" typeface="宋体"/>
-        <a:font script="Hant" typeface="新細明體"/>
-        <a:font script="Arab" typeface="Times New Roman"/>
-        <a:font script="Hebr" typeface="Times New Roman"/>
-        <a:font script="Thai" typeface="Angsana New"/>
-        <a:font script="Ethi" typeface="Nyala"/>
-        <a:font script="Beng" typeface="Vrinda"/>
-        <a:font script="Gujr" typeface="Shruti"/>
-        <a:font script="Khmr" typeface="MoolBoran"/>
-        <a:font script="Knda" typeface="Tunga"/>
-        <a:font script="Guru" typeface="Raavi"/>
-        <a:font script="Cans" typeface="Euphemia"/>
-        <a:font script="Cher" typeface="Plantagenet Cherokee"/>
-        <a:font script="Yiii" typeface="Microsoft Yi Baiti"/>
-        <a:font script="Tibt" typeface="Microsoft Himalaya"/>
-        <a:font script="Thaa" typeface="MV Boli"/>
-        <a:font script="Deva" typeface="Mangal"/>
-        <a:font script="Telu" typeface="Gautami"/>
-        <a:font script="Taml" typeface="Latha"/>
-        <a:font script="Syrc" typeface="Estrangelo Edessa"/>
-        <a:font script="Orya" typeface="Kalinga"/>
-        <a:font script="Mlym" typeface="Kartika"/>
-        <a:font script="Laoo" typeface="DokChampa"/>
-        <a:font script="Sinh" typeface="Iskoola Pota"/>
-        <a:font script="Mong" typeface="Mongolian Baiti"/>
-        <a:font script="Viet" typeface="Times New Roman"/>
-        <a:font script="Uigh" typeface="Microsoft Uighur"/>
-        <a:font script="Geor" typeface="Sylfaen"/>
-      </a:majorFont>
-      <a:minorFont>
-        <a:latin typeface="Arial"/>
-        <a:ea typeface=""/>
-        <a:cs typeface=""/>
-        <a:font script="Jpan" typeface="ＭＳ Ｐゴシック"/>
-        <a:font script="Hang" typeface="맑은 고딕"/>
-        <a:font script="Hans" typeface="宋体"/>
-        <a:font script="Hant" typeface="新細明體"/>
-        <a:font script="Arab" typeface="Arial"/>
-        <a:font script="Hebr" typeface="Arial"/>
-        <a:font script="Thai" typeface="Cordia New"/>
-        <a:font script="Ethi" typeface="Nyala"/>
-        <a:font script="Beng" typeface="Vrinda"/>
-        <a:font script="Gujr" typeface="Shruti"/>
-        <a:font script="Khmr" typeface="DaunPenh"/>
-        <a:font script="Knda" typeface="Tunga"/>
-        <a:font script="Guru" typeface="Raavi"/>
-        <a:font script="Cans" typeface="Euphemia"/>
-        <a:font script="Cher" typeface="Plantagenet Cherokee"/>
-        <a:font script="Yiii" typeface="Microsoft Yi Baiti"/>
-        <a:font script="Tibt" typeface="Microsoft Himalaya"/>
-        <a:font script="Thaa" typeface="MV Boli"/>
-        <a:font script="Deva" typeface="Mangal"/>
-        <a:font script="Telu" typeface="Gautami"/>
-        <a:font script="Taml" typeface="Latha"/>
-        <a:font script="Syrc" typeface="Estrangelo Edessa"/>
-        <a:font script="Orya" typeface="Kalinga"/>
-        <a:font script="Mlym" typeface="Kartika"/>
-        <a:font script="Laoo" typeface="DokChampa"/>
-        <a:font script="Sinh" typeface="Iskoola Pota"/>
-        <a:font script="Mong" typeface="Mongolian Baiti"/>
-        <a:font script="Viet" typeface="Arial"/>
-        <a:font script="Uigh" typeface="Microsoft Uighur"/>
-        <a:font script="Geor" typeface="Sylfaen"/>
-      </a:minorFont>
-    </a:fontScheme>
-    <a:fmtScheme name="Office">
-      <a:fillStyleLst>
-        <a:solidFill>
-          <a:schemeClr val="phClr"/>
-        </a:solidFill>
-        <a:gradFill rotWithShape="1">
-          <a:gsLst>
-            <a:gs pos="0">
-              <a:schemeClr val="phClr">
-                <a:tint val="50000"/>
-                <a:satMod val="300000"/>
-              </a:schemeClr>
-            </a:gs>
-            <a:gs pos="35000">
-              <a:schemeClr val="phClr">
-                <a:tint val="37000"/>
-                <a:satMod val="300000"/>
-              </a:schemeClr>
-            </a:gs>
-            <a:gs pos="100000">
-              <a:schemeClr val="phClr">
-                <a:tint val="15000"/>
-                <a:satMod val="350000"/>
-              </a:schemeClr>
-            </a:gs>
-          </a:gsLst>
-          <a:lin ang="16200000" scaled="1"/>
-        </a:gradFill>
-        <a:gradFill rotWithShape="1">
-          <a:gsLst>
-            <a:gs pos="0">
-              <a:schemeClr val="phClr">
-                <a:tint val="100000"/>
-                <a:shade val="100000"/>
-                <a:satMod val="130000"/>
-              </a:schemeClr>
-            </a:gs>
-            <a:gs pos="100000">
-              <a:schemeClr val="phClr">
-                <a:tint val="50000"/>
-                <a:shade val="100000"/>
-                <a:satMod val="350000"/>
-              </a:schemeClr>
-            </a:gs>
-          </a:gsLst>
-          <a:lin ang="16200000" scaled="0"/>
-        </a:gradFill>
-      </a:fillStyleLst>
-      <a:lnStyleLst>
-        <a:ln w="9525" cap="flat" cmpd="sng" algn="ctr">
-          <a:solidFill>
-            <a:schemeClr val="phClr">
-              <a:shade val="95000"/>
-              <a:satMod val="105000"/>
-            </a:schemeClr>
-          </a:solidFill>
-          <a:prstDash val="solid"/>
-        </a:ln>
-        <a:ln w="25400" cap="flat" cmpd="sng" algn="ctr">
-          <a:solidFill>
-            <a:schemeClr val="phClr"/>
-          </a:solidFill>
-          <a:prstDash val="solid"/>
-        </a:ln>
-        <a:ln w="38100" cap="flat" cmpd="sng" algn="ctr">
-          <a:solidFill>
-            <a:schemeClr val="phClr"/>
-          </a:solidFill>
-          <a:prstDash val="solid"/>
-        </a:ln>
-      </a:lnStyleLst>
-      <a:effectStyleLst>
-        <a:effectStyle>
-          <a:effectLst>
-            <a:outerShdw blurRad="40000" dist="20000" dir="5400000" rotWithShape="0">
-              <a:srgbClr val="000000">
-                <a:alpha val="38000"/>
-              </a:srgbClr>
-            </a:outerShdw>
-          </a:effectLst>
-        </a:effectStyle>
-        <a:effectStyle>
-          <a:effectLst>
-            <a:outerShdw blurRad="40000" dist="23000" dir="5400000" rotWithShape="0">
-              <a:srgbClr val="000000">
-                <a:alpha val="35000"/>
-              </a:srgbClr>
-            </a:outerShdw>
-          </a:effectLst>
-        </a:effectStyle>
-        <a:effectStyle>
-          <a:effectLst>
-            <a:outerShdw blurRad="40000" dist="23000" dir="5400000" rotWithShape="0">
-              <a:srgbClr val="000000">
-                <a:alpha val="35000"/>
-              </a:srgbClr>
-            </a:outerShdw>
-          </a:effectLst>
-          <a:scene3d>
-            <a:camera prst="orthographicFront">
-              <a:rot lat="0" lon="0" rev="0"/>
-            </a:camera>
-            <a:lightRig rig="threePt" dir="t">
-              <a:rot lat="0" lon="0" rev="1200000"/>
-            </a:lightRig>
-          </a:scene3d>
-          <a:sp3d>
-            <a:bevelT w="63500" h="25400"/>
-          </a:sp3d>
-        </a:effectStyle>
-      </a:effectStyleLst>
-      <a:bgFillStyleLst>
-        <a:solidFill>
-          <a:schemeClr val="phClr"/>
-        </a:solidFill>
-        <a:gradFill rotWithShape="1">
-          <a:gsLst>
-            <a:gs pos="0">
-              <a:schemeClr val="phClr">
-                <a:tint val="40000"/>
-                <a:satMod val="350000"/>
-              </a:schemeClr>
-            </a:gs>
-            <a:gs pos="40000">
-              <a:schemeClr val="phClr">
-                <a:tint val="45000"/>
-                <a:shade val="99000"/>
-                <a:satMod val="350000"/>
-              </a:schemeClr>
-            </a:gs>
-            <a:gs pos="100000">
-              <a:schemeClr val="phClr">
-                <a:shade val="20000"/>
-                <a:satMod val="255000"/>
-              </a:schemeClr>
-            </a:gs>
-          </a:gsLst>
-          <a:path path="circle">
-            <a:fillToRect l="50000" t="-80000" r="50000" b="180000"/>
-          </a:path>
-        </a:gradFill>
-        <a:gradFill rotWithShape="1">
-          <a:gsLst>
-            <a:gs pos="0">
-              <a:schemeClr val="phClr">
-                <a:tint val="80000"/>
-                <a:satMod val="300000"/>
-              </a:schemeClr>
-            </a:gs>
-            <a:gs pos="100000">
-              <a:schemeClr val="phClr">
-                <a:shade val="30000"/>
-                <a:satMod val="200000"/>
-              </a:schemeClr>
-            </a:gs>
-          </a:gsLst>
-          <a:path path="circle">
-            <a:fillToRect l="50000" t="50000" r="50000" b="50000"/>
-          </a:path>
-        </a:gradFill>
-      </a:bgFillStyleLst>
-    </a:fmtScheme>
-  </a:themeElements>
-</a:theme>
 </file>